--- a/Ruby on Rails.pptx
+++ b/Ruby on Rails.pptx
@@ -20,14 +20,15 @@
     <p:sldId id="267" r:id="rId14"/>
     <p:sldId id="269" r:id="rId15"/>
     <p:sldId id="270" r:id="rId16"/>
-    <p:sldId id="271" r:id="rId17"/>
-    <p:sldId id="272" r:id="rId18"/>
-    <p:sldId id="268" r:id="rId19"/>
-    <p:sldId id="275" r:id="rId20"/>
-    <p:sldId id="276" r:id="rId21"/>
-    <p:sldId id="277" r:id="rId22"/>
-    <p:sldId id="278" r:id="rId23"/>
-    <p:sldId id="279" r:id="rId24"/>
+    <p:sldId id="272" r:id="rId17"/>
+    <p:sldId id="280" r:id="rId18"/>
+    <p:sldId id="271" r:id="rId19"/>
+    <p:sldId id="268" r:id="rId20"/>
+    <p:sldId id="275" r:id="rId21"/>
+    <p:sldId id="276" r:id="rId22"/>
+    <p:sldId id="277" r:id="rId23"/>
+    <p:sldId id="278" r:id="rId24"/>
+    <p:sldId id="279" r:id="rId25"/>
   </p:sldIdLst>
   <p:sldSz cx="12192000" cy="6858000"/>
   <p:notesSz cx="6858000" cy="9144000"/>
@@ -6575,7 +6576,7 @@
           <a:p>
             <a:r>
               <a:rPr lang="nl-BE" dirty="0"/>
-              <a:t>Cd in app directory</a:t>
+              <a:t>cd in app directory</a:t>
             </a:r>
           </a:p>
           <a:p>
@@ -7805,9 +7806,106 @@
           </a:p>
         </p:txBody>
       </p:sp>
+      <p:sp>
+        <p:nvSpPr>
+          <p:cNvPr id="5" name="Rectangle 3"/>
+          <p:cNvSpPr>
+            <a:spLocks noChangeArrowheads="1"/>
+          </p:cNvSpPr>
+          <p:nvPr/>
+        </p:nvSpPr>
+        <p:spPr bwMode="auto">
+          <a:xfrm>
+            <a:off x="2412731" y="5038614"/>
+            <a:ext cx="8560067" cy="336597"/>
+          </a:xfrm>
+          <a:prstGeom prst="rect">
+            <a:avLst/>
+          </a:prstGeom>
+          <a:solidFill>
+            <a:srgbClr val="F7F7F7"/>
+          </a:solidFill>
+          <a:ln>
+            <a:noFill/>
+          </a:ln>
+          <a:effectLst/>
+          <a:extLst>
+            <a:ext uri="{91240B29-F687-4F45-9708-019B960494DF}">
+              <a14:hiddenLine xmlns:a14="http://schemas.microsoft.com/office/drawing/2010/main" w="9525">
+                <a:solidFill>
+                  <a:schemeClr val="tx1"/>
+                </a:solidFill>
+                <a:miter lim="800000"/>
+                <a:headEnd/>
+                <a:tailEnd/>
+              </a14:hiddenLine>
+            </a:ext>
+            <a:ext uri="{AF507438-7753-43E0-B8FC-AC1667EBCBE1}">
+              <a14:hiddenEffects xmlns:a14="http://schemas.microsoft.com/office/drawing/2010/main">
+                <a:effectLst>
+                  <a:outerShdw dist="35921" dir="2700000" algn="ctr" rotWithShape="0">
+                    <a:schemeClr val="bg2"/>
+                  </a:outerShdw>
+                </a:effectLst>
+              </a14:hiddenEffects>
+            </a:ext>
+          </a:extLst>
+        </p:spPr>
+        <p:txBody>
+          <a:bodyPr vert="horz" wrap="square" lIns="91440" tIns="45720" rIns="91440" bIns="104742" numCol="1" anchor="ctr" anchorCtr="0" compatLnSpc="1">
+            <a:prstTxWarp prst="textNoShape">
+              <a:avLst/>
+            </a:prstTxWarp>
+            <a:spAutoFit/>
+          </a:bodyPr>
+          <a:lstStyle/>
+          <a:p>
+            <a:pPr lvl="0" defTabSz="914400" eaLnBrk="0" fontAlgn="base" hangingPunct="0">
+              <a:spcBef>
+                <a:spcPct val="0"/>
+              </a:spcBef>
+              <a:spcAft>
+                <a:spcPct val="0"/>
+              </a:spcAft>
+            </a:pPr>
+            <a:r>
+              <a:rPr lang="nl-BE" sz="1200" dirty="0">
+                <a:latin typeface="Courier New" panose="02070309020205020404" pitchFamily="49" charset="0"/>
+                <a:cs typeface="Courier New" panose="02070309020205020404" pitchFamily="49" charset="0"/>
+              </a:rPr>
+              <a:t>rails </a:t>
+            </a:r>
+            <a:r>
+              <a:rPr lang="nl-BE" sz="1200" dirty="0" err="1">
+                <a:latin typeface="Courier New" panose="02070309020205020404" pitchFamily="49" charset="0"/>
+                <a:cs typeface="Courier New" panose="02070309020205020404" pitchFamily="49" charset="0"/>
+              </a:rPr>
+              <a:t>generate</a:t>
+            </a:r>
+            <a:r>
+              <a:rPr lang="nl-BE" sz="1200" dirty="0">
+                <a:latin typeface="Courier New" panose="02070309020205020404" pitchFamily="49" charset="0"/>
+                <a:cs typeface="Courier New" panose="02070309020205020404" pitchFamily="49" charset="0"/>
+              </a:rPr>
+              <a:t> model Message</a:t>
+            </a:r>
+            <a:endParaRPr kumimoji="0" lang="nl-BE" altLang="nl-BE" sz="1200" b="0" i="0" u="none" strike="noStrike" cap="none" normalizeH="0" baseline="0" dirty="0">
+              <a:ln>
+                <a:noFill/>
+              </a:ln>
+              <a:solidFill>
+                <a:schemeClr val="tx1"/>
+              </a:solidFill>
+              <a:effectLst/>
+              <a:latin typeface="Courier New" panose="02070309020205020404" pitchFamily="49" charset="0"/>
+              <a:cs typeface="Courier New" panose="02070309020205020404" pitchFamily="49" charset="0"/>
+            </a:endParaRPr>
+          </a:p>
+        </p:txBody>
+      </p:sp>
       <p:pic>
         <p:nvPicPr>
-          <p:cNvPr id="4" name="Tijdelijke aanduiding voor inhoud 3"/>
+          <p:cNvPr id="6" name="Tijdelijke aanduiding voor inhoud 5"/>
           <p:cNvPicPr>
             <a:picLocks noGrp="1" noChangeAspect="1"/>
           </p:cNvPicPr>
@@ -7817,13 +7915,13 @@
         </p:nvPicPr>
         <p:blipFill rotWithShape="1">
           <a:blip r:embed="rId2"/>
-          <a:srcRect l="713"/>
+          <a:srcRect t="619" b="1558"/>
           <a:stretch/>
         </p:blipFill>
         <p:spPr>
           <a:xfrm>
-            <a:off x="3410659" y="2096654"/>
-            <a:ext cx="6166016" cy="3189776"/>
+            <a:off x="2412732" y="1921164"/>
+            <a:ext cx="8560067" cy="2968215"/>
           </a:xfrm>
           <a:prstGeom prst="rect">
             <a:avLst/>
@@ -7840,110 +7938,6 @@
           </a:effectLst>
         </p:spPr>
       </p:pic>
-      <p:sp>
-        <p:nvSpPr>
-          <p:cNvPr id="5" name="Rectangle 3"/>
-          <p:cNvSpPr>
-            <a:spLocks noChangeArrowheads="1"/>
-          </p:cNvSpPr>
-          <p:nvPr/>
-        </p:nvSpPr>
-        <p:spPr bwMode="auto">
-          <a:xfrm>
-            <a:off x="3410659" y="5435777"/>
-            <a:ext cx="6166016" cy="336597"/>
-          </a:xfrm>
-          <a:prstGeom prst="rect">
-            <a:avLst/>
-          </a:prstGeom>
-          <a:solidFill>
-            <a:srgbClr val="F7F7F7"/>
-          </a:solidFill>
-          <a:ln>
-            <a:noFill/>
-          </a:ln>
-          <a:effectLst/>
-          <a:extLst>
-            <a:ext uri="{91240B29-F687-4F45-9708-019B960494DF}">
-              <a14:hiddenLine xmlns:a14="http://schemas.microsoft.com/office/drawing/2010/main" w="9525">
-                <a:solidFill>
-                  <a:schemeClr val="tx1"/>
-                </a:solidFill>
-                <a:miter lim="800000"/>
-                <a:headEnd/>
-                <a:tailEnd/>
-              </a14:hiddenLine>
-            </a:ext>
-            <a:ext uri="{AF507438-7753-43E0-B8FC-AC1667EBCBE1}">
-              <a14:hiddenEffects xmlns:a14="http://schemas.microsoft.com/office/drawing/2010/main">
-                <a:effectLst>
-                  <a:outerShdw dist="35921" dir="2700000" algn="ctr" rotWithShape="0">
-                    <a:schemeClr val="bg2"/>
-                  </a:outerShdw>
-                </a:effectLst>
-              </a14:hiddenEffects>
-            </a:ext>
-          </a:extLst>
-        </p:spPr>
-        <p:txBody>
-          <a:bodyPr vert="horz" wrap="square" lIns="91440" tIns="45720" rIns="91440" bIns="104742" numCol="1" anchor="ctr" anchorCtr="0" compatLnSpc="1">
-            <a:prstTxWarp prst="textNoShape">
-              <a:avLst/>
-            </a:prstTxWarp>
-            <a:spAutoFit/>
-          </a:bodyPr>
-          <a:lstStyle/>
-          <a:p>
-            <a:pPr lvl="0" defTabSz="914400" eaLnBrk="0" fontAlgn="base" hangingPunct="0">
-              <a:spcBef>
-                <a:spcPct val="0"/>
-              </a:spcBef>
-              <a:spcAft>
-                <a:spcPct val="0"/>
-              </a:spcAft>
-            </a:pPr>
-            <a:r>
-              <a:rPr lang="nl-BE" sz="1200" dirty="0">
-                <a:latin typeface="Courier New" panose="02070309020205020404" pitchFamily="49" charset="0"/>
-                <a:cs typeface="Courier New" panose="02070309020205020404" pitchFamily="49" charset="0"/>
-              </a:rPr>
-              <a:t>rails </a:t>
-            </a:r>
-            <a:r>
-              <a:rPr lang="nl-BE" sz="1200" dirty="0" err="1">
-                <a:latin typeface="Courier New" panose="02070309020205020404" pitchFamily="49" charset="0"/>
-                <a:cs typeface="Courier New" panose="02070309020205020404" pitchFamily="49" charset="0"/>
-              </a:rPr>
-              <a:t>generate</a:t>
-            </a:r>
-            <a:r>
-              <a:rPr lang="nl-BE" sz="1200" dirty="0">
-                <a:latin typeface="Courier New" panose="02070309020205020404" pitchFamily="49" charset="0"/>
-                <a:cs typeface="Courier New" panose="02070309020205020404" pitchFamily="49" charset="0"/>
-              </a:rPr>
-              <a:t> model </a:t>
-            </a:r>
-            <a:r>
-              <a:rPr lang="nl-BE" sz="1200" dirty="0" err="1">
-                <a:latin typeface="Courier New" panose="02070309020205020404" pitchFamily="49" charset="0"/>
-                <a:cs typeface="Courier New" panose="02070309020205020404" pitchFamily="49" charset="0"/>
-              </a:rPr>
-              <a:t>Article</a:t>
-            </a:r>
-            <a:endParaRPr kumimoji="0" lang="nl-BE" altLang="nl-BE" sz="1200" b="0" i="0" u="none" strike="noStrike" cap="none" normalizeH="0" baseline="0" dirty="0">
-              <a:ln>
-                <a:noFill/>
-              </a:ln>
-              <a:solidFill>
-                <a:schemeClr val="tx1"/>
-              </a:solidFill>
-              <a:effectLst/>
-              <a:latin typeface="Courier New" panose="02070309020205020404" pitchFamily="49" charset="0"/>
-              <a:cs typeface="Courier New" panose="02070309020205020404" pitchFamily="49" charset="0"/>
-            </a:endParaRPr>
-          </a:p>
-        </p:txBody>
-      </p:sp>
     </p:spTree>
     <p:extLst>
       <p:ext uri="{BB962C8B-B14F-4D97-AF65-F5344CB8AC3E}">
@@ -7958,234 +7952,6 @@
 </file>
 
 <file path=ppt/slides/slide16.xml><?xml version="1.0" encoding="utf-8"?>
-<p:sld xmlns:a="http://schemas.openxmlformats.org/drawingml/2006/main" xmlns:r="http://schemas.openxmlformats.org/officeDocument/2006/relationships" xmlns:p="http://schemas.openxmlformats.org/presentationml/2006/main">
-  <p:cSld>
-    <p:spTree>
-      <p:nvGrpSpPr>
-        <p:cNvPr id="1" name=""/>
-        <p:cNvGrpSpPr/>
-        <p:nvPr/>
-      </p:nvGrpSpPr>
-      <p:grpSpPr>
-        <a:xfrm>
-          <a:off x="0" y="0"/>
-          <a:ext cx="0" cy="0"/>
-          <a:chOff x="0" y="0"/>
-          <a:chExt cx="0" cy="0"/>
-        </a:xfrm>
-      </p:grpSpPr>
-      <p:sp>
-        <p:nvSpPr>
-          <p:cNvPr id="2" name="Titel 1"/>
-          <p:cNvSpPr>
-            <a:spLocks noGrp="1"/>
-          </p:cNvSpPr>
-          <p:nvPr>
-            <p:ph type="title"/>
-          </p:nvPr>
-        </p:nvSpPr>
-        <p:spPr/>
-        <p:txBody>
-          <a:bodyPr/>
-          <a:lstStyle/>
-          <a:p>
-            <a:r>
-              <a:rPr lang="nl-BE" dirty="0"/>
-              <a:t>View</a:t>
-            </a:r>
-          </a:p>
-        </p:txBody>
-      </p:sp>
-      <p:pic>
-        <p:nvPicPr>
-          <p:cNvPr id="4" name="Tijdelijke aanduiding voor inhoud 3"/>
-          <p:cNvPicPr>
-            <a:picLocks noGrp="1" noChangeAspect="1"/>
-          </p:cNvPicPr>
-          <p:nvPr>
-            <p:ph idx="1"/>
-          </p:nvPr>
-        </p:nvPicPr>
-        <p:blipFill>
-          <a:blip r:embed="rId2"/>
-          <a:stretch>
-            <a:fillRect/>
-          </a:stretch>
-        </p:blipFill>
-        <p:spPr>
-          <a:xfrm>
-            <a:off x="1782895" y="2305756"/>
-            <a:ext cx="9421543" cy="3124200"/>
-          </a:xfrm>
-          <a:prstGeom prst="rect">
-            <a:avLst/>
-          </a:prstGeom>
-          <a:ln>
-            <a:noFill/>
-          </a:ln>
-          <a:effectLst>
-            <a:outerShdw blurRad="190500" algn="tl" rotWithShape="0">
-              <a:srgbClr val="000000">
-                <a:alpha val="70000"/>
-              </a:srgbClr>
-            </a:outerShdw>
-          </a:effectLst>
-        </p:spPr>
-      </p:pic>
-      <p:sp>
-        <p:nvSpPr>
-          <p:cNvPr id="6" name="Rectangle 3"/>
-          <p:cNvSpPr>
-            <a:spLocks noChangeArrowheads="1"/>
-          </p:cNvSpPr>
-          <p:nvPr/>
-        </p:nvSpPr>
-        <p:spPr bwMode="auto">
-          <a:xfrm>
-            <a:off x="1782895" y="5555850"/>
-            <a:ext cx="9421543" cy="336597"/>
-          </a:xfrm>
-          <a:prstGeom prst="rect">
-            <a:avLst/>
-          </a:prstGeom>
-          <a:solidFill>
-            <a:srgbClr val="F7F7F7"/>
-          </a:solidFill>
-          <a:ln>
-            <a:noFill/>
-          </a:ln>
-          <a:effectLst/>
-          <a:extLst>
-            <a:ext uri="{91240B29-F687-4F45-9708-019B960494DF}">
-              <a14:hiddenLine xmlns:a14="http://schemas.microsoft.com/office/drawing/2010/main" w="9525">
-                <a:solidFill>
-                  <a:schemeClr val="tx1"/>
-                </a:solidFill>
-                <a:miter lim="800000"/>
-                <a:headEnd/>
-                <a:tailEnd/>
-              </a14:hiddenLine>
-            </a:ext>
-            <a:ext uri="{AF507438-7753-43E0-B8FC-AC1667EBCBE1}">
-              <a14:hiddenEffects xmlns:a14="http://schemas.microsoft.com/office/drawing/2010/main">
-                <a:effectLst>
-                  <a:outerShdw dist="35921" dir="2700000" algn="ctr" rotWithShape="0">
-                    <a:schemeClr val="bg2"/>
-                  </a:outerShdw>
-                </a:effectLst>
-              </a14:hiddenEffects>
-            </a:ext>
-          </a:extLst>
-        </p:spPr>
-        <p:txBody>
-          <a:bodyPr vert="horz" wrap="square" lIns="91440" tIns="45720" rIns="91440" bIns="104742" numCol="1" anchor="ctr" anchorCtr="0" compatLnSpc="1">
-            <a:prstTxWarp prst="textNoShape">
-              <a:avLst/>
-            </a:prstTxWarp>
-            <a:spAutoFit/>
-          </a:bodyPr>
-          <a:lstStyle/>
-          <a:p>
-            <a:pPr marL="0" marR="0" lvl="0" indent="0" algn="l" defTabSz="914400" rtl="0" eaLnBrk="0" fontAlgn="base" latinLnBrk="0" hangingPunct="0">
-              <a:lnSpc>
-                <a:spcPct val="100000"/>
-              </a:lnSpc>
-              <a:spcBef>
-                <a:spcPct val="0"/>
-              </a:spcBef>
-              <a:spcAft>
-                <a:spcPct val="0"/>
-              </a:spcAft>
-              <a:buClrTx/>
-              <a:buSzTx/>
-              <a:buFontTx/>
-              <a:buNone/>
-              <a:tabLst/>
-            </a:pPr>
-            <a:r>
-              <a:rPr kumimoji="0" lang="nl-BE" altLang="nl-BE" sz="1200" b="0" i="0" u="none" strike="noStrike" cap="none" normalizeH="0" baseline="0" dirty="0">
-                <a:ln>
-                  <a:noFill/>
-                </a:ln>
-                <a:solidFill>
-                  <a:schemeClr val="tx1"/>
-                </a:solidFill>
-                <a:effectLst/>
-                <a:latin typeface="Courier New" panose="02070309020205020404" pitchFamily="49" charset="0"/>
-                <a:cs typeface="Courier New" panose="02070309020205020404" pitchFamily="49" charset="0"/>
-              </a:rPr>
-              <a:t>Rails</a:t>
-            </a:r>
-            <a:r>
-              <a:rPr lang="nl-BE" altLang="nl-BE" sz="1200" dirty="0">
-                <a:latin typeface="Courier New" panose="02070309020205020404" pitchFamily="49" charset="0"/>
-                <a:cs typeface="Courier New" panose="02070309020205020404" pitchFamily="49" charset="0"/>
-              </a:rPr>
-              <a:t> </a:t>
-            </a:r>
-            <a:r>
-              <a:rPr lang="nl-BE" altLang="nl-BE" sz="1200" dirty="0" err="1">
-                <a:latin typeface="Courier New" panose="02070309020205020404" pitchFamily="49" charset="0"/>
-                <a:cs typeface="Courier New" panose="02070309020205020404" pitchFamily="49" charset="0"/>
-              </a:rPr>
-              <a:t>generate</a:t>
-            </a:r>
-            <a:r>
-              <a:rPr lang="nl-BE" altLang="nl-BE" sz="1200" dirty="0">
-                <a:latin typeface="Courier New" panose="02070309020205020404" pitchFamily="49" charset="0"/>
-                <a:cs typeface="Courier New" panose="02070309020205020404" pitchFamily="49" charset="0"/>
-              </a:rPr>
-              <a:t> </a:t>
-            </a:r>
-            <a:r>
-              <a:rPr lang="nl-BE" altLang="nl-BE" sz="1200" dirty="0" err="1">
-                <a:latin typeface="Courier New" panose="02070309020205020404" pitchFamily="49" charset="0"/>
-                <a:cs typeface="Courier New" panose="02070309020205020404" pitchFamily="49" charset="0"/>
-              </a:rPr>
-              <a:t>scaffold</a:t>
-            </a:r>
-            <a:r>
-              <a:rPr lang="nl-BE" altLang="nl-BE" sz="1200" dirty="0">
-                <a:latin typeface="Courier New" panose="02070309020205020404" pitchFamily="49" charset="0"/>
-                <a:cs typeface="Courier New" panose="02070309020205020404" pitchFamily="49" charset="0"/>
-              </a:rPr>
-              <a:t> </a:t>
-            </a:r>
-            <a:r>
-              <a:rPr lang="nl-BE" altLang="nl-BE" sz="1200" dirty="0" err="1">
-                <a:latin typeface="Courier New" panose="02070309020205020404" pitchFamily="49" charset="0"/>
-                <a:cs typeface="Courier New" panose="02070309020205020404" pitchFamily="49" charset="0"/>
-              </a:rPr>
-              <a:t>message</a:t>
-            </a:r>
-            <a:endParaRPr kumimoji="0" lang="nl-BE" altLang="nl-BE" sz="1200" b="0" i="0" u="none" strike="noStrike" cap="none" normalizeH="0" baseline="0" dirty="0">
-              <a:ln>
-                <a:noFill/>
-              </a:ln>
-              <a:solidFill>
-                <a:schemeClr val="tx1"/>
-              </a:solidFill>
-              <a:effectLst/>
-              <a:latin typeface="Courier New" panose="02070309020205020404" pitchFamily="49" charset="0"/>
-              <a:cs typeface="Courier New" panose="02070309020205020404" pitchFamily="49" charset="0"/>
-            </a:endParaRPr>
-          </a:p>
-        </p:txBody>
-      </p:sp>
-    </p:spTree>
-    <p:extLst>
-      <p:ext uri="{BB962C8B-B14F-4D97-AF65-F5344CB8AC3E}">
-        <p14:creationId xmlns:p14="http://schemas.microsoft.com/office/powerpoint/2010/main" val="2490956042"/>
-      </p:ext>
-    </p:extLst>
-  </p:cSld>
-  <p:clrMapOvr>
-    <a:masterClrMapping/>
-  </p:clrMapOvr>
-</p:sld>
-</file>
-
-<file path=ppt/slides/slide17.xml><?xml version="1.0" encoding="utf-8"?>
 <p:sld xmlns:a="http://schemas.openxmlformats.org/drawingml/2006/main" xmlns:r="http://schemas.openxmlformats.org/officeDocument/2006/relationships" xmlns:p="http://schemas.openxmlformats.org/presentationml/2006/main">
   <p:cSld>
     <p:spTree>
@@ -8427,7 +8193,450 @@
 </p:sld>
 </file>
 
+<file path=ppt/slides/slide17.xml><?xml version="1.0" encoding="utf-8"?>
+<p:sld xmlns:a="http://schemas.openxmlformats.org/drawingml/2006/main" xmlns:r="http://schemas.openxmlformats.org/officeDocument/2006/relationships" xmlns:p="http://schemas.openxmlformats.org/presentationml/2006/main">
+  <p:cSld>
+    <p:spTree>
+      <p:nvGrpSpPr>
+        <p:cNvPr id="1" name=""/>
+        <p:cNvGrpSpPr/>
+        <p:nvPr/>
+      </p:nvGrpSpPr>
+      <p:grpSpPr>
+        <a:xfrm>
+          <a:off x="0" y="0"/>
+          <a:ext cx="0" cy="0"/>
+          <a:chOff x="0" y="0"/>
+          <a:chExt cx="0" cy="0"/>
+        </a:xfrm>
+      </p:grpSpPr>
+      <p:sp>
+        <p:nvSpPr>
+          <p:cNvPr id="2" name="Titel 1"/>
+          <p:cNvSpPr>
+            <a:spLocks noGrp="1"/>
+          </p:cNvSpPr>
+          <p:nvPr>
+            <p:ph type="title"/>
+          </p:nvPr>
+        </p:nvSpPr>
+        <p:spPr/>
+        <p:txBody>
+          <a:bodyPr/>
+          <a:lstStyle/>
+          <a:p>
+            <a:r>
+              <a:rPr lang="nl-BE" dirty="0"/>
+              <a:t>Controller</a:t>
+            </a:r>
+          </a:p>
+        </p:txBody>
+      </p:sp>
+      <p:sp>
+        <p:nvSpPr>
+          <p:cNvPr id="5" name="Tijdelijke aanduiding voor inhoud 4"/>
+          <p:cNvSpPr>
+            <a:spLocks noGrp="1"/>
+          </p:cNvSpPr>
+          <p:nvPr>
+            <p:ph idx="1"/>
+          </p:nvPr>
+        </p:nvSpPr>
+        <p:spPr>
+          <a:xfrm>
+            <a:off x="1877299" y="2186708"/>
+            <a:ext cx="10018713" cy="3124201"/>
+          </a:xfrm>
+        </p:spPr>
+        <p:txBody>
+          <a:bodyPr/>
+          <a:lstStyle/>
+          <a:p>
+            <a:r>
+              <a:rPr lang="nl-BE" dirty="0"/>
+              <a:t>Haal alle </a:t>
+            </a:r>
+            <a:r>
+              <a:rPr lang="nl-BE" dirty="0" err="1"/>
+              <a:t>messages</a:t>
+            </a:r>
+            <a:r>
+              <a:rPr lang="nl-BE" dirty="0"/>
+              <a:t> uit database + sorteer ze</a:t>
+            </a:r>
+          </a:p>
+          <a:p>
+            <a:r>
+              <a:rPr lang="nl-BE" dirty="0"/>
+              <a:t>Variabele doorgeven aan view = @</a:t>
+            </a:r>
+            <a:r>
+              <a:rPr lang="nl-BE" dirty="0" err="1"/>
+              <a:t>myvariable</a:t>
+            </a:r>
+            <a:endParaRPr lang="nl-BE" dirty="0"/>
+          </a:p>
+          <a:p>
+            <a:endParaRPr lang="nl-BE" dirty="0"/>
+          </a:p>
+          <a:p>
+            <a:endParaRPr lang="nl-BE" dirty="0"/>
+          </a:p>
+          <a:p>
+            <a:endParaRPr lang="nl-BE" dirty="0"/>
+          </a:p>
+          <a:p>
+            <a:r>
+              <a:rPr lang="nl-BE" dirty="0"/>
+              <a:t>Verwijzing naar view zonder data</a:t>
+            </a:r>
+          </a:p>
+          <a:p>
+            <a:endParaRPr lang="nl-BE" dirty="0"/>
+          </a:p>
+        </p:txBody>
+      </p:sp>
+      <p:pic>
+        <p:nvPicPr>
+          <p:cNvPr id="8" name="Tijdelijke aanduiding voor inhoud 3"/>
+          <p:cNvPicPr>
+            <a:picLocks noChangeAspect="1"/>
+          </p:cNvPicPr>
+          <p:nvPr/>
+        </p:nvPicPr>
+        <p:blipFill rotWithShape="1">
+          <a:blip r:embed="rId2"/>
+          <a:srcRect l="8065"/>
+          <a:stretch/>
+        </p:blipFill>
+        <p:spPr>
+          <a:xfrm>
+            <a:off x="2198254" y="3240373"/>
+            <a:ext cx="9179634" cy="1016870"/>
+          </a:xfrm>
+          <a:prstGeom prst="rect">
+            <a:avLst/>
+          </a:prstGeom>
+          <a:ln>
+            <a:noFill/>
+          </a:ln>
+          <a:effectLst>
+            <a:outerShdw blurRad="190500" algn="tl" rotWithShape="0">
+              <a:srgbClr val="000000">
+                <a:alpha val="70000"/>
+              </a:srgbClr>
+            </a:outerShdw>
+          </a:effectLst>
+        </p:spPr>
+      </p:pic>
+      <p:pic>
+        <p:nvPicPr>
+          <p:cNvPr id="9" name="Afbeelding 8"/>
+          <p:cNvPicPr>
+            <a:picLocks noChangeAspect="1"/>
+          </p:cNvPicPr>
+          <p:nvPr/>
+        </p:nvPicPr>
+        <p:blipFill rotWithShape="1">
+          <a:blip r:embed="rId3"/>
+          <a:srcRect l="5031" r="60985" b="6200"/>
+          <a:stretch/>
+        </p:blipFill>
+        <p:spPr>
+          <a:xfrm>
+            <a:off x="2198254" y="5120873"/>
+            <a:ext cx="3785618" cy="587200"/>
+          </a:xfrm>
+          <a:prstGeom prst="rect">
+            <a:avLst/>
+          </a:prstGeom>
+          <a:ln>
+            <a:noFill/>
+          </a:ln>
+          <a:effectLst>
+            <a:outerShdw blurRad="190500" algn="tl" rotWithShape="0">
+              <a:srgbClr val="000000">
+                <a:alpha val="70000"/>
+              </a:srgbClr>
+            </a:outerShdw>
+          </a:effectLst>
+        </p:spPr>
+      </p:pic>
+    </p:spTree>
+    <p:extLst>
+      <p:ext uri="{BB962C8B-B14F-4D97-AF65-F5344CB8AC3E}">
+        <p14:creationId xmlns:p14="http://schemas.microsoft.com/office/powerpoint/2010/main" val="2895479171"/>
+      </p:ext>
+    </p:extLst>
+  </p:cSld>
+  <p:clrMapOvr>
+    <a:masterClrMapping/>
+  </p:clrMapOvr>
+</p:sld>
+</file>
+
 <file path=ppt/slides/slide18.xml><?xml version="1.0" encoding="utf-8"?>
+<p:sld xmlns:a="http://schemas.openxmlformats.org/drawingml/2006/main" xmlns:r="http://schemas.openxmlformats.org/officeDocument/2006/relationships" xmlns:p="http://schemas.openxmlformats.org/presentationml/2006/main">
+  <p:cSld>
+    <p:spTree>
+      <p:nvGrpSpPr>
+        <p:cNvPr id="1" name=""/>
+        <p:cNvGrpSpPr/>
+        <p:nvPr/>
+      </p:nvGrpSpPr>
+      <p:grpSpPr>
+        <a:xfrm>
+          <a:off x="0" y="0"/>
+          <a:ext cx="0" cy="0"/>
+          <a:chOff x="0" y="0"/>
+          <a:chExt cx="0" cy="0"/>
+        </a:xfrm>
+      </p:grpSpPr>
+      <p:sp>
+        <p:nvSpPr>
+          <p:cNvPr id="2" name="Titel 1"/>
+          <p:cNvSpPr>
+            <a:spLocks noGrp="1"/>
+          </p:cNvSpPr>
+          <p:nvPr>
+            <p:ph type="title"/>
+          </p:nvPr>
+        </p:nvSpPr>
+        <p:spPr/>
+        <p:txBody>
+          <a:bodyPr/>
+          <a:lstStyle/>
+          <a:p>
+            <a:r>
+              <a:rPr lang="nl-BE"/>
+              <a:t>View</a:t>
+            </a:r>
+            <a:endParaRPr lang="nl-BE" dirty="0"/>
+          </a:p>
+        </p:txBody>
+      </p:sp>
+      <p:sp>
+        <p:nvSpPr>
+          <p:cNvPr id="6" name="Rectangle 3"/>
+          <p:cNvSpPr>
+            <a:spLocks noChangeArrowheads="1"/>
+          </p:cNvSpPr>
+          <p:nvPr/>
+        </p:nvSpPr>
+        <p:spPr bwMode="auto">
+          <a:xfrm>
+            <a:off x="1782893" y="6082764"/>
+            <a:ext cx="9421543" cy="336597"/>
+          </a:xfrm>
+          <a:prstGeom prst="rect">
+            <a:avLst/>
+          </a:prstGeom>
+          <a:solidFill>
+            <a:srgbClr val="F7F7F7"/>
+          </a:solidFill>
+          <a:ln>
+            <a:noFill/>
+          </a:ln>
+          <a:effectLst/>
+          <a:extLst>
+            <a:ext uri="{91240B29-F687-4F45-9708-019B960494DF}">
+              <a14:hiddenLine xmlns:a14="http://schemas.microsoft.com/office/drawing/2010/main" w="9525">
+                <a:solidFill>
+                  <a:schemeClr val="tx1"/>
+                </a:solidFill>
+                <a:miter lim="800000"/>
+                <a:headEnd/>
+                <a:tailEnd/>
+              </a14:hiddenLine>
+            </a:ext>
+            <a:ext uri="{AF507438-7753-43E0-B8FC-AC1667EBCBE1}">
+              <a14:hiddenEffects xmlns:a14="http://schemas.microsoft.com/office/drawing/2010/main">
+                <a:effectLst>
+                  <a:outerShdw dist="35921" dir="2700000" algn="ctr" rotWithShape="0">
+                    <a:schemeClr val="bg2"/>
+                  </a:outerShdw>
+                </a:effectLst>
+              </a14:hiddenEffects>
+            </a:ext>
+          </a:extLst>
+        </p:spPr>
+        <p:txBody>
+          <a:bodyPr vert="horz" wrap="square" lIns="91440" tIns="45720" rIns="91440" bIns="104742" numCol="1" anchor="ctr" anchorCtr="0" compatLnSpc="1">
+            <a:prstTxWarp prst="textNoShape">
+              <a:avLst/>
+            </a:prstTxWarp>
+            <a:spAutoFit/>
+          </a:bodyPr>
+          <a:lstStyle/>
+          <a:p>
+            <a:pPr marL="0" marR="0" lvl="0" indent="0" algn="l" defTabSz="914400" rtl="0" eaLnBrk="0" fontAlgn="base" latinLnBrk="0" hangingPunct="0">
+              <a:lnSpc>
+                <a:spcPct val="100000"/>
+              </a:lnSpc>
+              <a:spcBef>
+                <a:spcPct val="0"/>
+              </a:spcBef>
+              <a:spcAft>
+                <a:spcPct val="0"/>
+              </a:spcAft>
+              <a:buClrTx/>
+              <a:buSzTx/>
+              <a:buFontTx/>
+              <a:buNone/>
+              <a:tabLst/>
+            </a:pPr>
+            <a:r>
+              <a:rPr kumimoji="0" lang="nl-BE" altLang="nl-BE" sz="1200" b="0" i="0" u="none" strike="noStrike" cap="none" normalizeH="0" baseline="0" dirty="0">
+                <a:ln>
+                  <a:noFill/>
+                </a:ln>
+                <a:solidFill>
+                  <a:schemeClr val="tx1"/>
+                </a:solidFill>
+                <a:effectLst/>
+                <a:latin typeface="Courier New" panose="02070309020205020404" pitchFamily="49" charset="0"/>
+                <a:cs typeface="Courier New" panose="02070309020205020404" pitchFamily="49" charset="0"/>
+              </a:rPr>
+              <a:t>Rails</a:t>
+            </a:r>
+            <a:r>
+              <a:rPr lang="nl-BE" altLang="nl-BE" sz="1200" dirty="0">
+                <a:latin typeface="Courier New" panose="02070309020205020404" pitchFamily="49" charset="0"/>
+                <a:cs typeface="Courier New" panose="02070309020205020404" pitchFamily="49" charset="0"/>
+              </a:rPr>
+              <a:t> </a:t>
+            </a:r>
+            <a:r>
+              <a:rPr lang="nl-BE" altLang="nl-BE" sz="1200" dirty="0" err="1">
+                <a:latin typeface="Courier New" panose="02070309020205020404" pitchFamily="49" charset="0"/>
+                <a:cs typeface="Courier New" panose="02070309020205020404" pitchFamily="49" charset="0"/>
+              </a:rPr>
+              <a:t>generate</a:t>
+            </a:r>
+            <a:r>
+              <a:rPr lang="nl-BE" altLang="nl-BE" sz="1200" dirty="0">
+                <a:latin typeface="Courier New" panose="02070309020205020404" pitchFamily="49" charset="0"/>
+                <a:cs typeface="Courier New" panose="02070309020205020404" pitchFamily="49" charset="0"/>
+              </a:rPr>
+              <a:t> </a:t>
+            </a:r>
+            <a:r>
+              <a:rPr lang="nl-BE" altLang="nl-BE" sz="1200" dirty="0" err="1">
+                <a:latin typeface="Courier New" panose="02070309020205020404" pitchFamily="49" charset="0"/>
+                <a:cs typeface="Courier New" panose="02070309020205020404" pitchFamily="49" charset="0"/>
+              </a:rPr>
+              <a:t>scaffold</a:t>
+            </a:r>
+            <a:r>
+              <a:rPr lang="nl-BE" altLang="nl-BE" sz="1200" dirty="0">
+                <a:latin typeface="Courier New" panose="02070309020205020404" pitchFamily="49" charset="0"/>
+                <a:cs typeface="Courier New" panose="02070309020205020404" pitchFamily="49" charset="0"/>
+              </a:rPr>
+              <a:t> </a:t>
+            </a:r>
+            <a:r>
+              <a:rPr lang="nl-BE" altLang="nl-BE" sz="1200" dirty="0" err="1">
+                <a:latin typeface="Courier New" panose="02070309020205020404" pitchFamily="49" charset="0"/>
+                <a:cs typeface="Courier New" panose="02070309020205020404" pitchFamily="49" charset="0"/>
+              </a:rPr>
+              <a:t>message</a:t>
+            </a:r>
+            <a:endParaRPr kumimoji="0" lang="nl-BE" altLang="nl-BE" sz="1200" b="0" i="0" u="none" strike="noStrike" cap="none" normalizeH="0" baseline="0" dirty="0">
+              <a:ln>
+                <a:noFill/>
+              </a:ln>
+              <a:solidFill>
+                <a:schemeClr val="tx1"/>
+              </a:solidFill>
+              <a:effectLst/>
+              <a:latin typeface="Courier New" panose="02070309020205020404" pitchFamily="49" charset="0"/>
+              <a:cs typeface="Courier New" panose="02070309020205020404" pitchFamily="49" charset="0"/>
+            </a:endParaRPr>
+          </a:p>
+        </p:txBody>
+      </p:sp>
+      <p:sp>
+        <p:nvSpPr>
+          <p:cNvPr id="7" name="Tijdelijke aanduiding voor inhoud 6"/>
+          <p:cNvSpPr>
+            <a:spLocks noGrp="1"/>
+          </p:cNvSpPr>
+          <p:nvPr>
+            <p:ph idx="1"/>
+          </p:nvPr>
+        </p:nvSpPr>
+        <p:spPr>
+          <a:xfrm>
+            <a:off x="1484311" y="685800"/>
+            <a:ext cx="10018713" cy="3124201"/>
+          </a:xfrm>
+        </p:spPr>
+        <p:txBody>
+          <a:bodyPr/>
+          <a:lstStyle/>
+          <a:p>
+            <a:r>
+              <a:rPr lang="nl-BE" dirty="0" err="1"/>
+              <a:t>viewname.html.erb</a:t>
+            </a:r>
+            <a:endParaRPr lang="nl-BE" dirty="0"/>
+          </a:p>
+          <a:p>
+            <a:r>
+              <a:rPr lang="nl-BE" dirty="0"/>
+              <a:t>Ruby code tussen &lt;%= #code here %&gt;</a:t>
+            </a:r>
+          </a:p>
+        </p:txBody>
+      </p:sp>
+      <p:pic>
+        <p:nvPicPr>
+          <p:cNvPr id="9" name="Tijdelijke aanduiding voor inhoud 3"/>
+          <p:cNvPicPr>
+            <a:picLocks noChangeAspect="1"/>
+          </p:cNvPicPr>
+          <p:nvPr/>
+        </p:nvPicPr>
+        <p:blipFill>
+          <a:blip r:embed="rId2"/>
+          <a:stretch>
+            <a:fillRect/>
+          </a:stretch>
+        </p:blipFill>
+        <p:spPr>
+          <a:xfrm>
+            <a:off x="1782894" y="2782631"/>
+            <a:ext cx="9421543" cy="3124200"/>
+          </a:xfrm>
+          <a:prstGeom prst="rect">
+            <a:avLst/>
+          </a:prstGeom>
+          <a:ln>
+            <a:noFill/>
+          </a:ln>
+          <a:effectLst>
+            <a:outerShdw blurRad="190500" algn="tl" rotWithShape="0">
+              <a:srgbClr val="000000">
+                <a:alpha val="70000"/>
+              </a:srgbClr>
+            </a:outerShdw>
+          </a:effectLst>
+        </p:spPr>
+      </p:pic>
+    </p:spTree>
+    <p:extLst>
+      <p:ext uri="{BB962C8B-B14F-4D97-AF65-F5344CB8AC3E}">
+        <p14:creationId xmlns:p14="http://schemas.microsoft.com/office/powerpoint/2010/main" val="2490956042"/>
+      </p:ext>
+    </p:extLst>
+  </p:cSld>
+  <p:clrMapOvr>
+    <a:masterClrMapping/>
+  </p:clrMapOvr>
+</p:sld>
+</file>
+
+<file path=ppt/slides/slide19.xml><?xml version="1.0" encoding="utf-8"?>
 <p:sld xmlns:a="http://schemas.openxmlformats.org/drawingml/2006/main" xmlns:r="http://schemas.openxmlformats.org/officeDocument/2006/relationships" xmlns:p="http://schemas.openxmlformats.org/presentationml/2006/main">
   <p:cSld>
     <p:spTree>
@@ -8796,7 +9005,7 @@
 </p:sld>
 </file>
 
-<file path=ppt/slides/slide19.xml><?xml version="1.0" encoding="utf-8"?>
+<file path=ppt/slides/slide2.xml><?xml version="1.0" encoding="utf-8"?>
 <p:sld xmlns:a="http://schemas.openxmlformats.org/drawingml/2006/main" xmlns:r="http://schemas.openxmlformats.org/officeDocument/2006/relationships" xmlns:p="http://schemas.openxmlformats.org/presentationml/2006/main">
   <p:cSld>
     <p:spTree>
@@ -8830,6 +9039,111 @@
           <a:p>
             <a:r>
               <a:rPr lang="nl-BE" dirty="0"/>
+              <a:t>Tekst editors/IDE</a:t>
+            </a:r>
+          </a:p>
+        </p:txBody>
+      </p:sp>
+      <p:sp>
+        <p:nvSpPr>
+          <p:cNvPr id="3" name="Tijdelijke aanduiding voor inhoud 2"/>
+          <p:cNvSpPr>
+            <a:spLocks noGrp="1"/>
+          </p:cNvSpPr>
+          <p:nvPr>
+            <p:ph idx="1"/>
+          </p:nvPr>
+        </p:nvSpPr>
+        <p:spPr>
+          <a:xfrm>
+            <a:off x="1484310" y="1796667"/>
+            <a:ext cx="10018713" cy="3124201"/>
+          </a:xfrm>
+        </p:spPr>
+        <p:txBody>
+          <a:bodyPr/>
+          <a:lstStyle/>
+          <a:p>
+            <a:r>
+              <a:rPr lang="nl-BE" dirty="0" err="1"/>
+              <a:t>Sublime</a:t>
+            </a:r>
+            <a:r>
+              <a:rPr lang="nl-BE" dirty="0"/>
+              <a:t> </a:t>
+            </a:r>
+          </a:p>
+          <a:p>
+            <a:r>
+              <a:rPr lang="nl-BE" dirty="0"/>
+              <a:t>Atom</a:t>
+            </a:r>
+          </a:p>
+          <a:p>
+            <a:r>
+              <a:rPr lang="nl-BE" dirty="0"/>
+              <a:t>Vim</a:t>
+            </a:r>
+          </a:p>
+          <a:p>
+            <a:r>
+              <a:rPr lang="nl-BE" dirty="0" err="1"/>
+              <a:t>RubyMine</a:t>
+            </a:r>
+            <a:endParaRPr lang="nl-BE" dirty="0"/>
+          </a:p>
+          <a:p>
+            <a:endParaRPr lang="nl-BE" dirty="0"/>
+          </a:p>
+        </p:txBody>
+      </p:sp>
+    </p:spTree>
+    <p:extLst>
+      <p:ext uri="{BB962C8B-B14F-4D97-AF65-F5344CB8AC3E}">
+        <p14:creationId xmlns:p14="http://schemas.microsoft.com/office/powerpoint/2010/main" val="339973694"/>
+      </p:ext>
+    </p:extLst>
+  </p:cSld>
+  <p:clrMapOvr>
+    <a:masterClrMapping/>
+  </p:clrMapOvr>
+</p:sld>
+</file>
+
+<file path=ppt/slides/slide20.xml><?xml version="1.0" encoding="utf-8"?>
+<p:sld xmlns:a="http://schemas.openxmlformats.org/drawingml/2006/main" xmlns:r="http://schemas.openxmlformats.org/officeDocument/2006/relationships" xmlns:p="http://schemas.openxmlformats.org/presentationml/2006/main">
+  <p:cSld>
+    <p:spTree>
+      <p:nvGrpSpPr>
+        <p:cNvPr id="1" name=""/>
+        <p:cNvGrpSpPr/>
+        <p:nvPr/>
+      </p:nvGrpSpPr>
+      <p:grpSpPr>
+        <a:xfrm>
+          <a:off x="0" y="0"/>
+          <a:ext cx="0" cy="0"/>
+          <a:chOff x="0" y="0"/>
+          <a:chExt cx="0" cy="0"/>
+        </a:xfrm>
+      </p:grpSpPr>
+      <p:sp>
+        <p:nvSpPr>
+          <p:cNvPr id="2" name="Titel 1"/>
+          <p:cNvSpPr>
+            <a:spLocks noGrp="1"/>
+          </p:cNvSpPr>
+          <p:nvPr>
+            <p:ph type="title"/>
+          </p:nvPr>
+        </p:nvSpPr>
+        <p:spPr/>
+        <p:txBody>
+          <a:bodyPr/>
+          <a:lstStyle/>
+          <a:p>
+            <a:r>
+              <a:rPr lang="nl-BE" dirty="0"/>
               <a:t>Routing</a:t>
             </a:r>
           </a:p>
@@ -8861,12 +9175,9 @@
             </a:r>
             <a:r>
               <a:rPr lang="nl-BE" dirty="0" err="1"/>
-              <a:t>welcome</a:t>
-            </a:r>
-            <a:r>
-              <a:rPr lang="nl-BE" dirty="0"/>
-              <a:t> controller</a:t>
-            </a:r>
+              <a:t>welcome_controller</a:t>
+            </a:r>
+            <a:endParaRPr lang="nl-BE" dirty="0"/>
           </a:p>
         </p:txBody>
       </p:sp>
@@ -8917,112 +9228,7 @@
 </p:sld>
 </file>
 
-<file path=ppt/slides/slide2.xml><?xml version="1.0" encoding="utf-8"?>
-<p:sld xmlns:a="http://schemas.openxmlformats.org/drawingml/2006/main" xmlns:r="http://schemas.openxmlformats.org/officeDocument/2006/relationships" xmlns:p="http://schemas.openxmlformats.org/presentationml/2006/main">
-  <p:cSld>
-    <p:spTree>
-      <p:nvGrpSpPr>
-        <p:cNvPr id="1" name=""/>
-        <p:cNvGrpSpPr/>
-        <p:nvPr/>
-      </p:nvGrpSpPr>
-      <p:grpSpPr>
-        <a:xfrm>
-          <a:off x="0" y="0"/>
-          <a:ext cx="0" cy="0"/>
-          <a:chOff x="0" y="0"/>
-          <a:chExt cx="0" cy="0"/>
-        </a:xfrm>
-      </p:grpSpPr>
-      <p:sp>
-        <p:nvSpPr>
-          <p:cNvPr id="2" name="Titel 1"/>
-          <p:cNvSpPr>
-            <a:spLocks noGrp="1"/>
-          </p:cNvSpPr>
-          <p:nvPr>
-            <p:ph type="title"/>
-          </p:nvPr>
-        </p:nvSpPr>
-        <p:spPr/>
-        <p:txBody>
-          <a:bodyPr/>
-          <a:lstStyle/>
-          <a:p>
-            <a:r>
-              <a:rPr lang="nl-BE" dirty="0"/>
-              <a:t>Tekst editors/IDE</a:t>
-            </a:r>
-          </a:p>
-        </p:txBody>
-      </p:sp>
-      <p:sp>
-        <p:nvSpPr>
-          <p:cNvPr id="3" name="Tijdelijke aanduiding voor inhoud 2"/>
-          <p:cNvSpPr>
-            <a:spLocks noGrp="1"/>
-          </p:cNvSpPr>
-          <p:nvPr>
-            <p:ph idx="1"/>
-          </p:nvPr>
-        </p:nvSpPr>
-        <p:spPr>
-          <a:xfrm>
-            <a:off x="1484310" y="1796667"/>
-            <a:ext cx="10018713" cy="3124201"/>
-          </a:xfrm>
-        </p:spPr>
-        <p:txBody>
-          <a:bodyPr/>
-          <a:lstStyle/>
-          <a:p>
-            <a:r>
-              <a:rPr lang="nl-BE" dirty="0" err="1"/>
-              <a:t>Sublime</a:t>
-            </a:r>
-            <a:r>
-              <a:rPr lang="nl-BE" dirty="0"/>
-              <a:t> </a:t>
-            </a:r>
-          </a:p>
-          <a:p>
-            <a:r>
-              <a:rPr lang="nl-BE" dirty="0"/>
-              <a:t>Atom</a:t>
-            </a:r>
-          </a:p>
-          <a:p>
-            <a:r>
-              <a:rPr lang="nl-BE" dirty="0"/>
-              <a:t>Vim</a:t>
-            </a:r>
-          </a:p>
-          <a:p>
-            <a:r>
-              <a:rPr lang="nl-BE" dirty="0" err="1"/>
-              <a:t>RubyMine</a:t>
-            </a:r>
-            <a:endParaRPr lang="nl-BE" dirty="0"/>
-          </a:p>
-          <a:p>
-            <a:endParaRPr lang="nl-BE" dirty="0"/>
-          </a:p>
-        </p:txBody>
-      </p:sp>
-    </p:spTree>
-    <p:extLst>
-      <p:ext uri="{BB962C8B-B14F-4D97-AF65-F5344CB8AC3E}">
-        <p14:creationId xmlns:p14="http://schemas.microsoft.com/office/powerpoint/2010/main" val="339973694"/>
-      </p:ext>
-    </p:extLst>
-  </p:cSld>
-  <p:clrMapOvr>
-    <a:masterClrMapping/>
-  </p:clrMapOvr>
-</p:sld>
-</file>
-
-<file path=ppt/slides/slide20.xml><?xml version="1.0" encoding="utf-8"?>
+<file path=ppt/slides/slide21.xml><?xml version="1.0" encoding="utf-8"?>
 <p:sld xmlns:a="http://schemas.openxmlformats.org/drawingml/2006/main" xmlns:r="http://schemas.openxmlformats.org/officeDocument/2006/relationships" xmlns:p="http://schemas.openxmlformats.org/presentationml/2006/main">
   <p:cSld>
     <p:spTree>
@@ -9745,7 +9951,7 @@
 </p:sld>
 </file>
 
-<file path=ppt/slides/slide21.xml><?xml version="1.0" encoding="utf-8"?>
+<file path=ppt/slides/slide22.xml><?xml version="1.0" encoding="utf-8"?>
 <p:sld xmlns:a="http://schemas.openxmlformats.org/drawingml/2006/main" xmlns:r="http://schemas.openxmlformats.org/officeDocument/2006/relationships" xmlns:p="http://schemas.openxmlformats.org/presentationml/2006/main">
   <p:cSld>
     <p:spTree>
@@ -9971,7 +10177,7 @@
 </p:sld>
 </file>
 
-<file path=ppt/slides/slide22.xml><?xml version="1.0" encoding="utf-8"?>
+<file path=ppt/slides/slide23.xml><?xml version="1.0" encoding="utf-8"?>
 <p:sld xmlns:a="http://schemas.openxmlformats.org/drawingml/2006/main" xmlns:r="http://schemas.openxmlformats.org/officeDocument/2006/relationships" xmlns:p="http://schemas.openxmlformats.org/presentationml/2006/main">
   <p:cSld>
     <p:spTree>
@@ -10068,7 +10274,7 @@
 </p:sld>
 </file>
 
-<file path=ppt/slides/slide23.xml><?xml version="1.0" encoding="utf-8"?>
+<file path=ppt/slides/slide24.xml><?xml version="1.0" encoding="utf-8"?>
 <p:sld xmlns:a="http://schemas.openxmlformats.org/drawingml/2006/main" xmlns:r="http://schemas.openxmlformats.org/officeDocument/2006/relationships" xmlns:p="http://schemas.openxmlformats.org/presentationml/2006/main">
   <p:cSld>
     <p:spTree>
@@ -12610,7 +12816,7 @@
         </p:nvSpPr>
         <p:spPr>
           <a:xfrm>
-            <a:off x="1484309" y="1317009"/>
+            <a:off x="1484311" y="1889664"/>
             <a:ext cx="10018713" cy="3124201"/>
           </a:xfrm>
         </p:spPr>
@@ -12650,7 +12856,7 @@
         </p:nvSpPr>
         <p:spPr bwMode="auto">
           <a:xfrm>
-            <a:off x="1766978" y="2527992"/>
+            <a:off x="1766978" y="2940030"/>
             <a:ext cx="9453374" cy="702233"/>
           </a:xfrm>
           <a:prstGeom prst="rect">
@@ -12859,7 +13065,7 @@
         </p:nvSpPr>
         <p:spPr bwMode="auto">
           <a:xfrm>
-            <a:off x="1766978" y="3850188"/>
+            <a:off x="1766978" y="4515207"/>
             <a:ext cx="9453374" cy="705929"/>
           </a:xfrm>
           <a:prstGeom prst="rect">
